--- a/문서파일/ui구상.pptx
+++ b/문서파일/ui구상.pptx
@@ -5651,8 +5651,8 @@
         </p:nvSpPr>
         <p:spPr>
           <a:xfrm>
-            <a:off x="882637" y="1275606"/>
-            <a:ext cx="7361771" cy="1200329"/>
+            <a:off x="1547664" y="2931790"/>
+            <a:ext cx="5976664" cy="1138773"/>
           </a:xfrm>
           <a:prstGeom prst="rect">
             <a:avLst/>
@@ -5676,83 +5676,87 @@
           </a:p>
           <a:p>
             <a:r>
-              <a:rPr lang="en-US" altLang="ko-KR" dirty="0" smtClean="0"/>
+              <a:rPr lang="en-US" altLang="ko-KR" sz="1600" dirty="0" smtClean="0"/>
               <a:t>_ _ </a:t>
             </a:r>
             <a:r>
-              <a:rPr lang="ko-KR" altLang="en-US" dirty="0" smtClean="0"/>
+              <a:rPr lang="ko-KR" altLang="en-US" sz="1600" dirty="0" smtClean="0"/>
               <a:t>시</a:t>
             </a:r>
             <a:r>
-              <a:rPr lang="en-US" altLang="ko-KR" dirty="0" smtClean="0"/>
+              <a:rPr lang="en-US" altLang="ko-KR" sz="1600" dirty="0" smtClean="0"/>
               <a:t>_ _</a:t>
             </a:r>
             <a:r>
-              <a:rPr lang="ko-KR" altLang="en-US" dirty="0" smtClean="0"/>
+              <a:rPr lang="ko-KR" altLang="en-US" sz="1600" dirty="0" smtClean="0"/>
               <a:t>분 현재</a:t>
             </a:r>
             <a:r>
-              <a:rPr lang="en-US" altLang="ko-KR" dirty="0" smtClean="0"/>
+              <a:rPr lang="en-US" altLang="ko-KR" sz="1600" dirty="0" smtClean="0"/>
               <a:t> </a:t>
             </a:r>
             <a:r>
-              <a:rPr lang="ko-KR" altLang="en-US" dirty="0" smtClean="0"/>
-              <a:t>세탁기는                             입니다</a:t>
-            </a:r>
-            <a:r>
-              <a:rPr lang="en-US" altLang="ko-KR" dirty="0" smtClean="0"/>
+              <a:rPr lang="ko-KR" altLang="en-US" sz="1600" dirty="0" smtClean="0"/>
+              <a:t>세탁기는                             </a:t>
+            </a:r>
+            <a:r>
+              <a:rPr lang="ko-KR" altLang="en-US" sz="1600" dirty="0" smtClean="0"/>
+              <a:t>     입니다</a:t>
+            </a:r>
+            <a:r>
+              <a:rPr lang="en-US" altLang="ko-KR" sz="1600" dirty="0" smtClean="0"/>
               <a:t>.</a:t>
             </a:r>
           </a:p>
           <a:p>
-            <a:endParaRPr lang="en-US" altLang="ko-KR" dirty="0" smtClean="0"/>
-          </a:p>
-          <a:p>
-            <a:r>
-              <a:rPr lang="en-US" altLang="ko-KR" dirty="0" smtClean="0"/>
+            <a:endParaRPr lang="en-US" altLang="ko-KR" sz="1600" dirty="0" smtClean="0"/>
+          </a:p>
+          <a:p>
+            <a:r>
+              <a:rPr lang="en-US" altLang="ko-KR" sz="1600" dirty="0" smtClean="0"/>
               <a:t>_ _ </a:t>
             </a:r>
             <a:r>
-              <a:rPr lang="ko-KR" altLang="en-US" dirty="0" smtClean="0"/>
+              <a:rPr lang="ko-KR" altLang="en-US" sz="1600" dirty="0" smtClean="0"/>
               <a:t>시</a:t>
             </a:r>
             <a:r>
-              <a:rPr lang="en-US" altLang="ko-KR" dirty="0" smtClean="0"/>
+              <a:rPr lang="en-US" altLang="ko-KR" sz="1600" dirty="0" smtClean="0"/>
               <a:t>_ _</a:t>
             </a:r>
             <a:r>
-              <a:rPr lang="ko-KR" altLang="en-US" dirty="0" smtClean="0"/>
+              <a:rPr lang="ko-KR" altLang="en-US" sz="1600" dirty="0" smtClean="0"/>
               <a:t>분 </a:t>
             </a:r>
             <a:r>
-              <a:rPr lang="en-US" altLang="ko-KR" dirty="0" smtClean="0"/>
+              <a:rPr lang="en-US" altLang="ko-KR" sz="1600" dirty="0" smtClean="0"/>
               <a:t>(_ _</a:t>
             </a:r>
             <a:r>
-              <a:rPr lang="ko-KR" altLang="en-US" dirty="0" smtClean="0"/>
+              <a:rPr lang="ko-KR" altLang="en-US" sz="1600" dirty="0" smtClean="0"/>
               <a:t>시간 </a:t>
             </a:r>
             <a:r>
-              <a:rPr lang="en-US" altLang="ko-KR" dirty="0" smtClean="0"/>
+              <a:rPr lang="en-US" altLang="ko-KR" sz="1600" dirty="0" smtClean="0"/>
               <a:t>_ _</a:t>
             </a:r>
             <a:r>
-              <a:rPr lang="ko-KR" altLang="en-US" dirty="0" smtClean="0"/>
+              <a:rPr lang="ko-KR" altLang="en-US" sz="1600" dirty="0" smtClean="0"/>
               <a:t>분 후</a:t>
             </a:r>
             <a:r>
-              <a:rPr lang="en-US" altLang="ko-KR" dirty="0" smtClean="0"/>
+              <a:rPr lang="en-US" altLang="ko-KR" sz="1600" dirty="0" smtClean="0"/>
               <a:t>)</a:t>
             </a:r>
             <a:r>
-              <a:rPr lang="ko-KR" altLang="en-US" dirty="0" smtClean="0"/>
+              <a:rPr lang="ko-KR" altLang="en-US" sz="1600" dirty="0" smtClean="0"/>
               <a:t>에 사용할 수 있습니다</a:t>
             </a:r>
             <a:r>
-              <a:rPr lang="en-US" altLang="ko-KR" dirty="0" smtClean="0"/>
+              <a:rPr lang="en-US" altLang="ko-KR" sz="1600" dirty="0" smtClean="0"/>
               <a:t>.</a:t>
             </a:r>
-            <a:endParaRPr lang="ko-KR" altLang="en-US" dirty="0"/>
+            <a:endParaRPr lang="ko-KR" altLang="en-US" sz="1600" dirty="0"/>
           </a:p>
         </p:txBody>
       </p:sp>
@@ -5764,7 +5768,7 @@
         </p:nvSpPr>
         <p:spPr>
           <a:xfrm>
-            <a:off x="3771434" y="3003798"/>
+            <a:off x="3771434" y="4443958"/>
             <a:ext cx="1592654" cy="261610"/>
           </a:xfrm>
           <a:prstGeom prst="rect">
@@ -5800,7 +5804,7 @@
         </p:nvSpPr>
         <p:spPr>
           <a:xfrm>
-            <a:off x="3707904" y="1601129"/>
+            <a:off x="4067943" y="3243958"/>
             <a:ext cx="2160240" cy="276999"/>
           </a:xfrm>
           <a:prstGeom prst="rect">
@@ -5863,6 +5867,129 @@
           </a:p>
         </p:txBody>
       </p:sp>
+      <p:pic>
+        <p:nvPicPr>
+          <p:cNvPr id="1026" name="Picture 2" descr="Image result for washer icon"/>
+          <p:cNvPicPr>
+            <a:picLocks noChangeAspect="1" noChangeArrowheads="1"/>
+          </p:cNvPicPr>
+          <p:nvPr/>
+        </p:nvPicPr>
+        <p:blipFill>
+          <a:blip r:embed="rId3" cstate="print">
+            <a:extLst>
+              <a:ext uri="{28A0092B-C50C-407E-A947-70E740481C1C}">
+                <a14:useLocalDpi xmlns:a14="http://schemas.microsoft.com/office/drawing/2010/main" val="0"/>
+              </a:ext>
+            </a:extLst>
+          </a:blip>
+          <a:srcRect/>
+          <a:stretch>
+            <a:fillRect/>
+          </a:stretch>
+        </p:blipFill>
+        <p:spPr bwMode="auto">
+          <a:xfrm>
+            <a:off x="2699792" y="1384426"/>
+            <a:ext cx="869714" cy="1187323"/>
+          </a:xfrm>
+          <a:prstGeom prst="rect">
+            <a:avLst/>
+          </a:prstGeom>
+          <a:noFill/>
+          <a:extLst>
+            <a:ext uri="{909E8E84-426E-40DD-AFC4-6F175D3DCCD1}">
+              <a14:hiddenFill xmlns:a14="http://schemas.microsoft.com/office/drawing/2010/main">
+                <a:solidFill>
+                  <a:srgbClr val="FFFFFF"/>
+                </a:solidFill>
+              </a14:hiddenFill>
+            </a:ext>
+          </a:extLst>
+        </p:spPr>
+      </p:pic>
+      <p:pic>
+        <p:nvPicPr>
+          <p:cNvPr id="1028" name="Picture 4" descr="Image result for washer icon"/>
+          <p:cNvPicPr>
+            <a:picLocks noChangeAspect="1" noChangeArrowheads="1"/>
+          </p:cNvPicPr>
+          <p:nvPr/>
+        </p:nvPicPr>
+        <p:blipFill>
+          <a:blip r:embed="rId4" cstate="print">
+            <a:extLst>
+              <a:ext uri="{28A0092B-C50C-407E-A947-70E740481C1C}">
+                <a14:useLocalDpi xmlns:a14="http://schemas.microsoft.com/office/drawing/2010/main" val="0"/>
+              </a:ext>
+            </a:extLst>
+          </a:blip>
+          <a:srcRect/>
+          <a:stretch>
+            <a:fillRect/>
+          </a:stretch>
+        </p:blipFill>
+        <p:spPr bwMode="auto">
+          <a:xfrm>
+            <a:off x="4067944" y="1384426"/>
+            <a:ext cx="889109" cy="1207619"/>
+          </a:xfrm>
+          <a:prstGeom prst="rect">
+            <a:avLst/>
+          </a:prstGeom>
+          <a:noFill/>
+          <a:extLst>
+            <a:ext uri="{909E8E84-426E-40DD-AFC4-6F175D3DCCD1}">
+              <a14:hiddenFill xmlns:a14="http://schemas.microsoft.com/office/drawing/2010/main">
+                <a:solidFill>
+                  <a:srgbClr val="FFFFFF"/>
+                </a:solidFill>
+              </a14:hiddenFill>
+            </a:ext>
+          </a:extLst>
+        </p:spPr>
+      </p:pic>
+      <p:pic>
+        <p:nvPicPr>
+          <p:cNvPr id="14" name="Picture 4" descr="Image result for washer icon"/>
+          <p:cNvPicPr>
+            <a:picLocks noChangeAspect="1" noChangeArrowheads="1"/>
+          </p:cNvPicPr>
+          <p:nvPr/>
+        </p:nvPicPr>
+        <p:blipFill>
+          <a:blip r:embed="rId4" cstate="print">
+            <a:extLst>
+              <a:ext uri="{28A0092B-C50C-407E-A947-70E740481C1C}">
+                <a14:useLocalDpi xmlns:a14="http://schemas.microsoft.com/office/drawing/2010/main" val="0"/>
+              </a:ext>
+            </a:extLst>
+          </a:blip>
+          <a:srcRect/>
+          <a:stretch>
+            <a:fillRect/>
+          </a:stretch>
+        </p:blipFill>
+        <p:spPr bwMode="auto">
+          <a:xfrm>
+            <a:off x="5411083" y="1384426"/>
+            <a:ext cx="889109" cy="1207619"/>
+          </a:xfrm>
+          <a:prstGeom prst="rect">
+            <a:avLst/>
+          </a:prstGeom>
+          <a:noFill/>
+          <a:extLst>
+            <a:ext uri="{909E8E84-426E-40DD-AFC4-6F175D3DCCD1}">
+              <a14:hiddenFill xmlns:a14="http://schemas.microsoft.com/office/drawing/2010/main">
+                <a:solidFill>
+                  <a:srgbClr val="FFFFFF"/>
+                </a:solidFill>
+              </a14:hiddenFill>
+            </a:ext>
+          </a:extLst>
+        </p:spPr>
+      </p:pic>
     </p:spTree>
     <p:extLst>
       <p:ext uri="{BB962C8B-B14F-4D97-AF65-F5344CB8AC3E}">

--- a/문서파일/ui구상.pptx
+++ b/문서파일/ui구상.pptx
@@ -5,7 +5,7 @@
     <p:sldMasterId id="2147483648" r:id="rId1"/>
   </p:sldMasterIdLst>
   <p:notesMasterIdLst>
-    <p:notesMasterId r:id="rId9"/>
+    <p:notesMasterId r:id="rId11"/>
   </p:notesMasterIdLst>
   <p:sldIdLst>
     <p:sldId id="256" r:id="rId2"/>
@@ -15,6 +15,8 @@
     <p:sldId id="258" r:id="rId6"/>
     <p:sldId id="261" r:id="rId7"/>
     <p:sldId id="262" r:id="rId8"/>
+    <p:sldId id="263" r:id="rId9"/>
+    <p:sldId id="264" r:id="rId10"/>
   </p:sldIdLst>
   <p:sldSz cx="9144000" cy="5143500" type="screen16x9"/>
   <p:notesSz cx="6858000" cy="9144000"/>
@@ -198,7 +200,7 @@
           <a:p>
             <a:fld id="{0DC618C4-04DF-4647-BC36-7EF66BD158AC}" type="datetimeFigureOut">
               <a:rPr lang="ko-KR" altLang="en-US" smtClean="0"/>
-              <a:t>2017-01-18</a:t>
+              <a:t>2017-01-19</a:t>
             </a:fld>
             <a:endParaRPr lang="ko-KR" altLang="en-US"/>
           </a:p>
@@ -927,7 +929,7 @@
           <a:p>
             <a:fld id="{B6180270-C0AD-4956-B3C7-AC45074A0722}" type="datetimeFigureOut">
               <a:rPr lang="ko-KR" altLang="en-US" smtClean="0"/>
-              <a:t>2017-01-18</a:t>
+              <a:t>2017-01-19</a:t>
             </a:fld>
             <a:endParaRPr lang="ko-KR" altLang="en-US"/>
           </a:p>
@@ -1097,7 +1099,7 @@
           <a:p>
             <a:fld id="{B6180270-C0AD-4956-B3C7-AC45074A0722}" type="datetimeFigureOut">
               <a:rPr lang="ko-KR" altLang="en-US" smtClean="0"/>
-              <a:t>2017-01-18</a:t>
+              <a:t>2017-01-19</a:t>
             </a:fld>
             <a:endParaRPr lang="ko-KR" altLang="en-US"/>
           </a:p>
@@ -1277,7 +1279,7 @@
           <a:p>
             <a:fld id="{B6180270-C0AD-4956-B3C7-AC45074A0722}" type="datetimeFigureOut">
               <a:rPr lang="ko-KR" altLang="en-US" smtClean="0"/>
-              <a:t>2017-01-18</a:t>
+              <a:t>2017-01-19</a:t>
             </a:fld>
             <a:endParaRPr lang="ko-KR" altLang="en-US"/>
           </a:p>
@@ -1447,7 +1449,7 @@
           <a:p>
             <a:fld id="{B6180270-C0AD-4956-B3C7-AC45074A0722}" type="datetimeFigureOut">
               <a:rPr lang="ko-KR" altLang="en-US" smtClean="0"/>
-              <a:t>2017-01-18</a:t>
+              <a:t>2017-01-19</a:t>
             </a:fld>
             <a:endParaRPr lang="ko-KR" altLang="en-US"/>
           </a:p>
@@ -1693,7 +1695,7 @@
           <a:p>
             <a:fld id="{B6180270-C0AD-4956-B3C7-AC45074A0722}" type="datetimeFigureOut">
               <a:rPr lang="ko-KR" altLang="en-US" smtClean="0"/>
-              <a:t>2017-01-18</a:t>
+              <a:t>2017-01-19</a:t>
             </a:fld>
             <a:endParaRPr lang="ko-KR" altLang="en-US"/>
           </a:p>
@@ -1981,7 +1983,7 @@
           <a:p>
             <a:fld id="{B6180270-C0AD-4956-B3C7-AC45074A0722}" type="datetimeFigureOut">
               <a:rPr lang="ko-KR" altLang="en-US" smtClean="0"/>
-              <a:t>2017-01-18</a:t>
+              <a:t>2017-01-19</a:t>
             </a:fld>
             <a:endParaRPr lang="ko-KR" altLang="en-US"/>
           </a:p>
@@ -2403,7 +2405,7 @@
           <a:p>
             <a:fld id="{B6180270-C0AD-4956-B3C7-AC45074A0722}" type="datetimeFigureOut">
               <a:rPr lang="ko-KR" altLang="en-US" smtClean="0"/>
-              <a:t>2017-01-18</a:t>
+              <a:t>2017-01-19</a:t>
             </a:fld>
             <a:endParaRPr lang="ko-KR" altLang="en-US"/>
           </a:p>
@@ -2521,7 +2523,7 @@
           <a:p>
             <a:fld id="{B6180270-C0AD-4956-B3C7-AC45074A0722}" type="datetimeFigureOut">
               <a:rPr lang="ko-KR" altLang="en-US" smtClean="0"/>
-              <a:t>2017-01-18</a:t>
+              <a:t>2017-01-19</a:t>
             </a:fld>
             <a:endParaRPr lang="ko-KR" altLang="en-US"/>
           </a:p>
@@ -2616,7 +2618,7 @@
           <a:p>
             <a:fld id="{B6180270-C0AD-4956-B3C7-AC45074A0722}" type="datetimeFigureOut">
               <a:rPr lang="ko-KR" altLang="en-US" smtClean="0"/>
-              <a:t>2017-01-18</a:t>
+              <a:t>2017-01-19</a:t>
             </a:fld>
             <a:endParaRPr lang="ko-KR" altLang="en-US"/>
           </a:p>
@@ -2893,7 +2895,7 @@
           <a:p>
             <a:fld id="{B6180270-C0AD-4956-B3C7-AC45074A0722}" type="datetimeFigureOut">
               <a:rPr lang="ko-KR" altLang="en-US" smtClean="0"/>
-              <a:t>2017-01-18</a:t>
+              <a:t>2017-01-19</a:t>
             </a:fld>
             <a:endParaRPr lang="ko-KR" altLang="en-US"/>
           </a:p>
@@ -3146,7 +3148,7 @@
           <a:p>
             <a:fld id="{B6180270-C0AD-4956-B3C7-AC45074A0722}" type="datetimeFigureOut">
               <a:rPr lang="ko-KR" altLang="en-US" smtClean="0"/>
-              <a:t>2017-01-18</a:t>
+              <a:t>2017-01-19</a:t>
             </a:fld>
             <a:endParaRPr lang="ko-KR" altLang="en-US"/>
           </a:p>
@@ -3359,7 +3361,7 @@
           <a:p>
             <a:fld id="{B6180270-C0AD-4956-B3C7-AC45074A0722}" type="datetimeFigureOut">
               <a:rPr lang="ko-KR" altLang="en-US" smtClean="0"/>
-              <a:t>2017-01-18</a:t>
+              <a:t>2017-01-19</a:t>
             </a:fld>
             <a:endParaRPr lang="ko-KR" altLang="en-US"/>
           </a:p>
@@ -4028,6 +4030,94 @@
           </a:p>
         </p:txBody>
       </p:sp>
+      <p:sp>
+        <p:nvSpPr>
+          <p:cNvPr id="2" name="사각형 설명선 1"/>
+          <p:cNvSpPr/>
+          <p:nvPr/>
+        </p:nvSpPr>
+        <p:spPr>
+          <a:xfrm>
+            <a:off x="4572000" y="3597288"/>
+            <a:ext cx="2592288" cy="675363"/>
+          </a:xfrm>
+          <a:prstGeom prst="wedgeRectCallout">
+            <a:avLst>
+              <a:gd name="adj1" fmla="val -41657"/>
+              <a:gd name="adj2" fmla="val -83853"/>
+            </a:avLst>
+          </a:prstGeom>
+          <a:solidFill>
+            <a:srgbClr val="00B0F0"/>
+          </a:solidFill>
+          <a:ln>
+            <a:solidFill>
+              <a:schemeClr val="accent5">
+                <a:lumMod val="60000"/>
+                <a:lumOff val="40000"/>
+              </a:schemeClr>
+            </a:solidFill>
+          </a:ln>
+        </p:spPr>
+        <p:style>
+          <a:lnRef idx="2">
+            <a:schemeClr val="accent1">
+              <a:shade val="50000"/>
+            </a:schemeClr>
+          </a:lnRef>
+          <a:fillRef idx="1">
+            <a:schemeClr val="accent1"/>
+          </a:fillRef>
+          <a:effectRef idx="0">
+            <a:schemeClr val="accent1"/>
+          </a:effectRef>
+          <a:fontRef idx="minor">
+            <a:schemeClr val="lt1"/>
+          </a:fontRef>
+        </p:style>
+        <p:txBody>
+          <a:bodyPr rtlCol="0" anchor="ctr"/>
+          <a:lstStyle/>
+          <a:p>
+            <a:pPr algn="ctr"/>
+            <a:endParaRPr lang="ko-KR" altLang="en-US"/>
+          </a:p>
+        </p:txBody>
+      </p:sp>
+      <p:sp>
+        <p:nvSpPr>
+          <p:cNvPr id="3" name="TextBox 2"/>
+          <p:cNvSpPr txBox="1"/>
+          <p:nvPr/>
+        </p:nvSpPr>
+        <p:spPr>
+          <a:xfrm>
+            <a:off x="4644008" y="3723877"/>
+            <a:ext cx="2520280" cy="369332"/>
+          </a:xfrm>
+          <a:prstGeom prst="rect">
+            <a:avLst/>
+          </a:prstGeom>
+          <a:noFill/>
+        </p:spPr>
+        <p:txBody>
+          <a:bodyPr wrap="square" rtlCol="0">
+            <a:spAutoFit/>
+          </a:bodyPr>
+          <a:lstStyle/>
+          <a:p>
+            <a:r>
+              <a:rPr lang="ko-KR" altLang="en-US" dirty="0" smtClean="0"/>
+              <a:t>시작하기가 필요한가</a:t>
+            </a:r>
+            <a:r>
+              <a:rPr lang="en-US" altLang="ko-KR" dirty="0" smtClean="0"/>
+              <a:t>?</a:t>
+            </a:r>
+            <a:endParaRPr lang="ko-KR" altLang="en-US" dirty="0"/>
+          </a:p>
+        </p:txBody>
+      </p:sp>
     </p:spTree>
     <p:extLst>
       <p:ext uri="{BB962C8B-B14F-4D97-AF65-F5344CB8AC3E}">
@@ -4569,6 +4659,98 @@
                 <a:schemeClr val="tx1"/>
               </a:solidFill>
             </a:endParaRPr>
+          </a:p>
+        </p:txBody>
+      </p:sp>
+      <p:sp>
+        <p:nvSpPr>
+          <p:cNvPr id="15" name="사각형 설명선 14"/>
+          <p:cNvSpPr/>
+          <p:nvPr/>
+        </p:nvSpPr>
+        <p:spPr>
+          <a:xfrm>
+            <a:off x="2339752" y="4399240"/>
+            <a:ext cx="1944216" cy="548774"/>
+          </a:xfrm>
+          <a:prstGeom prst="wedgeRectCallout">
+            <a:avLst>
+              <a:gd name="adj1" fmla="val -34231"/>
+              <a:gd name="adj2" fmla="val -101393"/>
+            </a:avLst>
+          </a:prstGeom>
+          <a:solidFill>
+            <a:srgbClr val="00B0F0"/>
+          </a:solidFill>
+          <a:ln>
+            <a:solidFill>
+              <a:schemeClr val="accent5">
+                <a:lumMod val="60000"/>
+                <a:lumOff val="40000"/>
+              </a:schemeClr>
+            </a:solidFill>
+          </a:ln>
+        </p:spPr>
+        <p:style>
+          <a:lnRef idx="2">
+            <a:schemeClr val="accent1">
+              <a:shade val="50000"/>
+            </a:schemeClr>
+          </a:lnRef>
+          <a:fillRef idx="1">
+            <a:schemeClr val="accent1"/>
+          </a:fillRef>
+          <a:effectRef idx="0">
+            <a:schemeClr val="accent1"/>
+          </a:effectRef>
+          <a:fontRef idx="minor">
+            <a:schemeClr val="lt1"/>
+          </a:fontRef>
+        </p:style>
+        <p:txBody>
+          <a:bodyPr rtlCol="0" anchor="ctr"/>
+          <a:lstStyle/>
+          <a:p>
+            <a:pPr algn="ctr"/>
+            <a:endParaRPr lang="ko-KR" altLang="en-US"/>
+          </a:p>
+        </p:txBody>
+      </p:sp>
+      <p:sp>
+        <p:nvSpPr>
+          <p:cNvPr id="16" name="TextBox 15"/>
+          <p:cNvSpPr txBox="1"/>
+          <p:nvPr/>
+        </p:nvSpPr>
+        <p:spPr>
+          <a:xfrm>
+            <a:off x="2411760" y="4399240"/>
+            <a:ext cx="2520280" cy="369332"/>
+          </a:xfrm>
+          <a:prstGeom prst="rect">
+            <a:avLst/>
+          </a:prstGeom>
+          <a:noFill/>
+        </p:spPr>
+        <p:txBody>
+          <a:bodyPr wrap="square" rtlCol="0">
+            <a:spAutoFit/>
+          </a:bodyPr>
+          <a:lstStyle/>
+          <a:p>
+            <a:r>
+              <a:rPr lang="ko-KR" altLang="en-US" dirty="0" smtClean="0"/>
+              <a:t>기능 없음</a:t>
+            </a:r>
+            <a:r>
+              <a:rPr lang="en-US" altLang="ko-KR" dirty="0" smtClean="0"/>
+              <a:t>. </a:t>
+            </a:r>
+            <a:r>
+              <a:rPr lang="ko-KR" altLang="en-US" dirty="0" smtClean="0"/>
+              <a:t>삭제</a:t>
+            </a:r>
+            <a:endParaRPr lang="ko-KR" altLang="en-US" dirty="0"/>
           </a:p>
         </p:txBody>
       </p:sp>
@@ -5697,11 +5879,7 @@
             </a:r>
             <a:r>
               <a:rPr lang="ko-KR" altLang="en-US" sz="1600" dirty="0" smtClean="0"/>
-              <a:t>세탁기는                             </a:t>
-            </a:r>
-            <a:r>
-              <a:rPr lang="ko-KR" altLang="en-US" sz="1600" dirty="0" smtClean="0"/>
-              <a:t>     입니다</a:t>
+              <a:t>세탁기는                                  입니다</a:t>
             </a:r>
             <a:r>
               <a:rPr lang="en-US" altLang="ko-KR" sz="1600" dirty="0" smtClean="0"/>
@@ -7093,8 +7271,8 @@
         </p:nvSpPr>
         <p:spPr>
           <a:xfrm>
-            <a:off x="501453" y="987574"/>
-            <a:ext cx="4536504" cy="307777"/>
+            <a:off x="501452" y="987574"/>
+            <a:ext cx="5867807" cy="314454"/>
           </a:xfrm>
           <a:prstGeom prst="rect">
             <a:avLst/>
@@ -7109,7 +7287,19 @@
           <a:p>
             <a:r>
               <a:rPr lang="en-US" altLang="ko-KR" sz="1400" dirty="0" smtClean="0"/>
-              <a:t>No                  contents                    writer</a:t>
+              <a:t>No                  contents                    </a:t>
+            </a:r>
+            <a:r>
+              <a:rPr lang="en-US" altLang="ko-KR" sz="1400" dirty="0" smtClean="0"/>
+              <a:t>      writer              </a:t>
+            </a:r>
+            <a:r>
+              <a:rPr lang="en-US" altLang="ko-KR" sz="1400" dirty="0" smtClean="0"/>
+              <a:t>time</a:t>
+            </a:r>
+            <a:r>
+              <a:rPr lang="en-US" altLang="ko-KR" sz="1400" dirty="0" smtClean="0"/>
+              <a:t>   </a:t>
             </a:r>
             <a:endParaRPr lang="ko-KR" altLang="en-US" sz="1400" dirty="0"/>
           </a:p>
@@ -7154,7 +7344,7 @@
         <p:spPr>
           <a:xfrm>
             <a:off x="1149525" y="1295351"/>
-            <a:ext cx="2376264" cy="0"/>
+            <a:ext cx="2774403" cy="0"/>
           </a:xfrm>
           <a:prstGeom prst="line">
             <a:avLst/>
@@ -7183,7 +7373,7 @@
         </p:nvCxnSpPr>
         <p:spPr>
           <a:xfrm>
-            <a:off x="3741813" y="1295351"/>
+            <a:off x="4139952" y="1295351"/>
             <a:ext cx="792088" cy="0"/>
           </a:xfrm>
           <a:prstGeom prst="line">
@@ -7214,7 +7404,7 @@
         <p:spPr>
           <a:xfrm>
             <a:off x="395536" y="987574"/>
-            <a:ext cx="4210373" cy="3384376"/>
+            <a:ext cx="6120680" cy="3384376"/>
           </a:xfrm>
           <a:prstGeom prst="rect">
             <a:avLst/>
@@ -7259,7 +7449,7 @@
         </p:nvSpPr>
         <p:spPr>
           <a:xfrm>
-            <a:off x="1869605" y="4443958"/>
+            <a:off x="2627784" y="4515966"/>
             <a:ext cx="1080120" cy="246221"/>
           </a:xfrm>
           <a:prstGeom prst="rect">
@@ -7301,8 +7491,8 @@
         </p:nvSpPr>
         <p:spPr>
           <a:xfrm>
-            <a:off x="501453" y="1302028"/>
-            <a:ext cx="4032448" cy="246221"/>
+            <a:off x="501452" y="1302028"/>
+            <a:ext cx="5867808" cy="246221"/>
           </a:xfrm>
           <a:prstGeom prst="rect">
             <a:avLst/>
@@ -7321,7 +7511,11 @@
             </a:r>
             <a:r>
               <a:rPr lang="en-US" altLang="ko-KR" sz="1000" dirty="0" smtClean="0"/>
-              <a:t>3            1</a:t>
+              <a:t>10            </a:t>
+            </a:r>
+            <a:r>
+              <a:rPr lang="en-US" altLang="ko-KR" sz="1000" dirty="0" smtClean="0"/>
+              <a:t>1</a:t>
             </a:r>
             <a:r>
               <a:rPr lang="ko-KR" altLang="en-US" sz="1000" dirty="0" smtClean="0"/>
@@ -7333,7 +7527,15 @@
             </a:r>
             <a:r>
               <a:rPr lang="ko-KR" altLang="en-US" sz="1000" dirty="0" smtClean="0"/>
-              <a:t>일 세탁기 수리 관계로 사용 불가           관리자</a:t>
+              <a:t>일 세탁기 수리 관계로 사용 불가           </a:t>
+            </a:r>
+            <a:r>
+              <a:rPr lang="ko-KR" altLang="en-US" sz="1000" dirty="0" smtClean="0"/>
+              <a:t>      관리자         </a:t>
+            </a:r>
+            <a:r>
+              <a:rPr lang="en-US" altLang="ko-KR" sz="1000" dirty="0" smtClean="0"/>
+              <a:t>2017-01-28 5:00pm</a:t>
             </a:r>
             <a:endParaRPr lang="ko-KR" altLang="en-US" sz="1000" dirty="0"/>
           </a:p>
@@ -7341,14 +7543,44 @@
       </p:sp>
       <p:sp>
         <p:nvSpPr>
-          <p:cNvPr id="28" name="직사각형 27"/>
-          <p:cNvSpPr/>
-          <p:nvPr/>
-        </p:nvSpPr>
-        <p:spPr>
-          <a:xfrm>
-            <a:off x="5076057" y="987574"/>
-            <a:ext cx="3528391" cy="1008112"/>
+          <p:cNvPr id="29" name="TextBox 28"/>
+          <p:cNvSpPr txBox="1"/>
+          <p:nvPr/>
+        </p:nvSpPr>
+        <p:spPr>
+          <a:xfrm>
+            <a:off x="7158410" y="987574"/>
+            <a:ext cx="1446038" cy="261610"/>
+          </a:xfrm>
+          <a:prstGeom prst="rect">
+            <a:avLst/>
+          </a:prstGeom>
+          <a:noFill/>
+        </p:spPr>
+        <p:txBody>
+          <a:bodyPr wrap="square" rtlCol="0">
+            <a:spAutoFit/>
+          </a:bodyPr>
+          <a:lstStyle/>
+          <a:p>
+            <a:r>
+              <a:rPr lang="ko-KR" altLang="en-US" sz="1050" dirty="0" smtClean="0"/>
+              <a:t>메시지 작성</a:t>
+            </a:r>
+            <a:endParaRPr lang="ko-KR" altLang="en-US" sz="1050" dirty="0"/>
+          </a:p>
+        </p:txBody>
+      </p:sp>
+      <p:sp>
+        <p:nvSpPr>
+          <p:cNvPr id="30" name="TextBox 29"/>
+          <p:cNvSpPr txBox="1"/>
+          <p:nvPr/>
+        </p:nvSpPr>
+        <p:spPr>
+          <a:xfrm>
+            <a:off x="8100391" y="4711084"/>
+            <a:ext cx="720080" cy="261610"/>
           </a:xfrm>
           <a:prstGeom prst="rect">
             <a:avLst/>
@@ -7356,104 +7588,127 @@
           <a:noFill/>
           <a:ln>
             <a:solidFill>
-              <a:schemeClr val="tx1"/>
+              <a:srgbClr val="C00000"/>
             </a:solidFill>
           </a:ln>
         </p:spPr>
+        <p:txBody>
+          <a:bodyPr wrap="square" rtlCol="0" anchor="ctr">
+            <a:spAutoFit/>
+          </a:bodyPr>
+          <a:lstStyle/>
+          <a:p>
+            <a:pPr algn="ctr"/>
+            <a:r>
+              <a:rPr lang="ko-KR" altLang="en-US" sz="1100" dirty="0" smtClean="0"/>
+              <a:t>확</a:t>
+            </a:r>
+            <a:r>
+              <a:rPr lang="ko-KR" altLang="en-US" sz="1100" dirty="0"/>
+              <a:t>인</a:t>
+            </a:r>
+          </a:p>
+        </p:txBody>
+      </p:sp>
+      <p:sp>
+        <p:nvSpPr>
+          <p:cNvPr id="19" name="TextBox 18"/>
+          <p:cNvSpPr txBox="1"/>
+          <p:nvPr/>
+        </p:nvSpPr>
+        <p:spPr>
+          <a:xfrm>
+            <a:off x="539552" y="1563638"/>
+            <a:ext cx="5829708" cy="400110"/>
+          </a:xfrm>
+          <a:prstGeom prst="rect">
+            <a:avLst/>
+          </a:prstGeom>
+          <a:noFill/>
+        </p:spPr>
+        <p:txBody>
+          <a:bodyPr wrap="square" rtlCol="0">
+            <a:spAutoFit/>
+          </a:bodyPr>
+          <a:lstStyle/>
+          <a:p>
+            <a:r>
+              <a:rPr lang="en-US" altLang="ko-KR" sz="1000" dirty="0"/>
+              <a:t> </a:t>
+            </a:r>
+            <a:r>
+              <a:rPr lang="en-US" altLang="ko-KR" sz="1000" dirty="0"/>
+              <a:t>9</a:t>
+            </a:r>
+            <a:r>
+              <a:rPr lang="en-US" altLang="ko-KR" sz="1000" dirty="0" smtClean="0"/>
+              <a:t>             2</a:t>
+            </a:r>
+            <a:r>
+              <a:rPr lang="ko-KR" altLang="en-US" sz="1000" dirty="0" smtClean="0"/>
+              <a:t>번 세탁기 </a:t>
+            </a:r>
+            <a:r>
+              <a:rPr lang="ko-KR" altLang="en-US" sz="1000" dirty="0" err="1" smtClean="0"/>
+              <a:t>고장났어요</a:t>
+            </a:r>
+            <a:r>
+              <a:rPr lang="en-US" altLang="ko-KR" sz="1000" dirty="0" smtClean="0"/>
+              <a:t>.</a:t>
+            </a:r>
+            <a:r>
+              <a:rPr lang="ko-KR" altLang="en-US" sz="1000" dirty="0" smtClean="0"/>
+              <a:t>                                     </a:t>
+            </a:r>
+            <a:r>
+              <a:rPr lang="en-US" altLang="ko-KR" sz="1000" dirty="0"/>
+              <a:t>Sujin1227    </a:t>
+            </a:r>
+            <a:r>
+              <a:rPr lang="en-US" altLang="ko-KR" sz="1000" dirty="0" smtClean="0"/>
+              <a:t>  2017-01-28 2:00pm</a:t>
+            </a:r>
+            <a:endParaRPr lang="ko-KR" altLang="en-US" sz="1000" dirty="0"/>
+          </a:p>
+          <a:p>
+            <a:r>
+              <a:rPr lang="en-US" altLang="ko-KR" sz="1000" dirty="0" smtClean="0"/>
+              <a:t> </a:t>
+            </a:r>
+            <a:endParaRPr lang="ko-KR" altLang="en-US" sz="1000" dirty="0"/>
+          </a:p>
+        </p:txBody>
+      </p:sp>
+      <p:cxnSp>
+        <p:nvCxnSpPr>
+          <p:cNvPr id="20" name="직선 연결선 19"/>
+          <p:cNvCxnSpPr/>
+          <p:nvPr/>
+        </p:nvCxnSpPr>
+        <p:spPr>
+          <a:xfrm>
+            <a:off x="5076056" y="1275606"/>
+            <a:ext cx="1224136" cy="0"/>
+          </a:xfrm>
+          <a:prstGeom prst="line">
+            <a:avLst/>
+          </a:prstGeom>
+        </p:spPr>
         <p:style>
-          <a:lnRef idx="2">
-            <a:schemeClr val="accent1">
-              <a:shade val="50000"/>
-            </a:schemeClr>
+          <a:lnRef idx="1">
+            <a:schemeClr val="accent1"/>
           </a:lnRef>
-          <a:fillRef idx="1">
+          <a:fillRef idx="0">
             <a:schemeClr val="accent1"/>
           </a:fillRef>
           <a:effectRef idx="0">
             <a:schemeClr val="accent1"/>
           </a:effectRef>
           <a:fontRef idx="minor">
-            <a:schemeClr val="lt1"/>
+            <a:schemeClr val="tx1"/>
           </a:fontRef>
         </p:style>
-        <p:txBody>
-          <a:bodyPr rtlCol="0" anchor="ctr"/>
-          <a:lstStyle/>
-          <a:p>
-            <a:pPr algn="ctr"/>
-            <a:endParaRPr lang="ko-KR" altLang="en-US"/>
-          </a:p>
-        </p:txBody>
-      </p:sp>
-      <p:sp>
-        <p:nvSpPr>
-          <p:cNvPr id="29" name="TextBox 28"/>
-          <p:cNvSpPr txBox="1"/>
-          <p:nvPr/>
-        </p:nvSpPr>
-        <p:spPr>
-          <a:xfrm>
-            <a:off x="5148064" y="1059582"/>
-            <a:ext cx="1728192" cy="261610"/>
-          </a:xfrm>
-          <a:prstGeom prst="rect">
-            <a:avLst/>
-          </a:prstGeom>
-          <a:noFill/>
-        </p:spPr>
-        <p:txBody>
-          <a:bodyPr wrap="square" rtlCol="0">
-            <a:spAutoFit/>
-          </a:bodyPr>
-          <a:lstStyle/>
-          <a:p>
-            <a:r>
-              <a:rPr lang="ko-KR" altLang="en-US" sz="1050" smtClean="0"/>
-              <a:t>메시지 작성</a:t>
-            </a:r>
-            <a:endParaRPr lang="ko-KR" altLang="en-US" sz="1050"/>
-          </a:p>
-        </p:txBody>
-      </p:sp>
-      <p:sp>
-        <p:nvSpPr>
-          <p:cNvPr id="30" name="TextBox 29"/>
-          <p:cNvSpPr txBox="1"/>
-          <p:nvPr/>
-        </p:nvSpPr>
-        <p:spPr>
-          <a:xfrm>
-            <a:off x="7884368" y="2139702"/>
-            <a:ext cx="720080" cy="261610"/>
-          </a:xfrm>
-          <a:prstGeom prst="rect">
-            <a:avLst/>
-          </a:prstGeom>
-          <a:noFill/>
-          <a:ln>
-            <a:solidFill>
-              <a:srgbClr val="C00000"/>
-            </a:solidFill>
-          </a:ln>
-        </p:spPr>
-        <p:txBody>
-          <a:bodyPr wrap="square" rtlCol="0" anchor="ctr">
-            <a:spAutoFit/>
-          </a:bodyPr>
-          <a:lstStyle/>
-          <a:p>
-            <a:pPr algn="ctr"/>
-            <a:r>
-              <a:rPr lang="ko-KR" altLang="en-US" sz="1100" dirty="0" smtClean="0"/>
-              <a:t>확</a:t>
-            </a:r>
-            <a:r>
-              <a:rPr lang="ko-KR" altLang="en-US" sz="1100" dirty="0"/>
-              <a:t>인</a:t>
-            </a:r>
-          </a:p>
-        </p:txBody>
-      </p:sp>
+      </p:cxnSp>
     </p:spTree>
     <p:extLst>
       <p:ext uri="{BB962C8B-B14F-4D97-AF65-F5344CB8AC3E}">
@@ -7910,6 +8165,1587 @@
   <p:clrMapOvr>
     <a:masterClrMapping/>
   </p:clrMapOvr>
+</p:sld>
+</file>
+
+<file path=ppt/slides/slide8.xml><?xml version="1.0" encoding="utf-8"?>
+<p:sld xmlns:a="http://schemas.openxmlformats.org/drawingml/2006/main" xmlns:r="http://schemas.openxmlformats.org/officeDocument/2006/relationships" xmlns:p="http://schemas.openxmlformats.org/presentationml/2006/main">
+  <p:cSld>
+    <p:spTree>
+      <p:nvGrpSpPr>
+        <p:cNvPr id="1" name=""/>
+        <p:cNvGrpSpPr/>
+        <p:nvPr/>
+      </p:nvGrpSpPr>
+      <p:grpSpPr>
+        <a:xfrm>
+          <a:off x="0" y="0"/>
+          <a:ext cx="0" cy="0"/>
+          <a:chOff x="0" y="0"/>
+          <a:chExt cx="0" cy="0"/>
+        </a:xfrm>
+      </p:grpSpPr>
+      <p:sp>
+        <p:nvSpPr>
+          <p:cNvPr id="2" name="직사각형 1"/>
+          <p:cNvSpPr/>
+          <p:nvPr/>
+        </p:nvSpPr>
+        <p:spPr>
+          <a:xfrm>
+            <a:off x="0" y="0"/>
+            <a:ext cx="9144000" cy="627534"/>
+          </a:xfrm>
+          <a:prstGeom prst="rect">
+            <a:avLst/>
+          </a:prstGeom>
+          <a:noFill/>
+        </p:spPr>
+        <p:style>
+          <a:lnRef idx="2">
+            <a:schemeClr val="accent1">
+              <a:shade val="50000"/>
+            </a:schemeClr>
+          </a:lnRef>
+          <a:fillRef idx="1">
+            <a:schemeClr val="accent1"/>
+          </a:fillRef>
+          <a:effectRef idx="0">
+            <a:schemeClr val="accent1"/>
+          </a:effectRef>
+          <a:fontRef idx="minor">
+            <a:schemeClr val="lt1"/>
+          </a:fontRef>
+        </p:style>
+        <p:txBody>
+          <a:bodyPr rtlCol="0" anchor="ctr"/>
+          <a:lstStyle/>
+          <a:p>
+            <a:pPr algn="ctr"/>
+            <a:endParaRPr lang="ko-KR" altLang="en-US"/>
+          </a:p>
+        </p:txBody>
+      </p:sp>
+      <p:sp>
+        <p:nvSpPr>
+          <p:cNvPr id="3" name="TextBox 2"/>
+          <p:cNvSpPr txBox="1"/>
+          <p:nvPr/>
+        </p:nvSpPr>
+        <p:spPr>
+          <a:xfrm>
+            <a:off x="8244408" y="202671"/>
+            <a:ext cx="720080" cy="253916"/>
+          </a:xfrm>
+          <a:prstGeom prst="rect">
+            <a:avLst/>
+          </a:prstGeom>
+          <a:noFill/>
+          <a:ln>
+            <a:solidFill>
+              <a:schemeClr val="tx1"/>
+            </a:solidFill>
+          </a:ln>
+        </p:spPr>
+        <p:txBody>
+          <a:bodyPr wrap="square" rtlCol="0" anchor="ctr">
+            <a:spAutoFit/>
+          </a:bodyPr>
+          <a:lstStyle/>
+          <a:p>
+            <a:pPr algn="ctr"/>
+            <a:r>
+              <a:rPr lang="ko-KR" altLang="en-US" sz="1050" smtClean="0"/>
+              <a:t>로그아웃</a:t>
+            </a:r>
+            <a:endParaRPr lang="ko-KR" altLang="en-US" sz="1050" dirty="0"/>
+          </a:p>
+        </p:txBody>
+      </p:sp>
+      <p:sp>
+        <p:nvSpPr>
+          <p:cNvPr id="4" name="TextBox 3"/>
+          <p:cNvSpPr txBox="1"/>
+          <p:nvPr/>
+        </p:nvSpPr>
+        <p:spPr>
+          <a:xfrm>
+            <a:off x="2843808" y="267494"/>
+            <a:ext cx="864096" cy="261610"/>
+          </a:xfrm>
+          <a:prstGeom prst="rect">
+            <a:avLst/>
+          </a:prstGeom>
+          <a:noFill/>
+          <a:ln>
+            <a:noFill/>
+          </a:ln>
+        </p:spPr>
+        <p:txBody>
+          <a:bodyPr wrap="square" rtlCol="0" anchor="ctr">
+            <a:spAutoFit/>
+          </a:bodyPr>
+          <a:lstStyle/>
+          <a:p>
+            <a:pPr algn="ctr"/>
+            <a:r>
+              <a:rPr lang="ko-KR" altLang="en-US" sz="1100" dirty="0" smtClean="0"/>
+              <a:t>예약하</a:t>
+            </a:r>
+            <a:r>
+              <a:rPr lang="ko-KR" altLang="en-US" sz="1100" dirty="0"/>
+              <a:t>기</a:t>
+            </a:r>
+          </a:p>
+        </p:txBody>
+      </p:sp>
+      <p:sp>
+        <p:nvSpPr>
+          <p:cNvPr id="5" name="TextBox 4"/>
+          <p:cNvSpPr txBox="1"/>
+          <p:nvPr/>
+        </p:nvSpPr>
+        <p:spPr>
+          <a:xfrm>
+            <a:off x="3563888" y="267494"/>
+            <a:ext cx="864096" cy="261610"/>
+          </a:xfrm>
+          <a:prstGeom prst="rect">
+            <a:avLst/>
+          </a:prstGeom>
+          <a:noFill/>
+          <a:ln>
+            <a:noFill/>
+          </a:ln>
+        </p:spPr>
+        <p:txBody>
+          <a:bodyPr wrap="square" rtlCol="0" anchor="ctr">
+            <a:spAutoFit/>
+          </a:bodyPr>
+          <a:lstStyle/>
+          <a:p>
+            <a:pPr algn="ctr"/>
+            <a:r>
+              <a:rPr lang="ko-KR" altLang="en-US" sz="1100" dirty="0" smtClean="0"/>
+              <a:t>게시</a:t>
+            </a:r>
+            <a:r>
+              <a:rPr lang="ko-KR" altLang="en-US" sz="1100" dirty="0"/>
+              <a:t>판</a:t>
+            </a:r>
+          </a:p>
+        </p:txBody>
+      </p:sp>
+      <p:sp>
+        <p:nvSpPr>
+          <p:cNvPr id="6" name="TextBox 5"/>
+          <p:cNvSpPr txBox="1"/>
+          <p:nvPr/>
+        </p:nvSpPr>
+        <p:spPr>
+          <a:xfrm>
+            <a:off x="1907704" y="267494"/>
+            <a:ext cx="1008112" cy="261610"/>
+          </a:xfrm>
+          <a:prstGeom prst="rect">
+            <a:avLst/>
+          </a:prstGeom>
+          <a:noFill/>
+          <a:ln>
+            <a:noFill/>
+          </a:ln>
+        </p:spPr>
+        <p:txBody>
+          <a:bodyPr wrap="square" rtlCol="0" anchor="ctr">
+            <a:spAutoFit/>
+          </a:bodyPr>
+          <a:lstStyle/>
+          <a:p>
+            <a:pPr algn="ctr"/>
+            <a:r>
+              <a:rPr lang="ko-KR" altLang="en-US" sz="1100" dirty="0" smtClean="0"/>
+              <a:t>세탁기 정보</a:t>
+            </a:r>
+            <a:endParaRPr lang="ko-KR" altLang="en-US" sz="1100" dirty="0"/>
+          </a:p>
+        </p:txBody>
+      </p:sp>
+      <p:sp>
+        <p:nvSpPr>
+          <p:cNvPr id="7" name="TextBox 6"/>
+          <p:cNvSpPr txBox="1"/>
+          <p:nvPr/>
+        </p:nvSpPr>
+        <p:spPr>
+          <a:xfrm>
+            <a:off x="4283968" y="267494"/>
+            <a:ext cx="1008112" cy="261610"/>
+          </a:xfrm>
+          <a:prstGeom prst="rect">
+            <a:avLst/>
+          </a:prstGeom>
+          <a:noFill/>
+          <a:ln>
+            <a:solidFill>
+              <a:srgbClr val="C00000"/>
+            </a:solidFill>
+          </a:ln>
+        </p:spPr>
+        <p:txBody>
+          <a:bodyPr wrap="square" rtlCol="0" anchor="ctr">
+            <a:spAutoFit/>
+          </a:bodyPr>
+          <a:lstStyle/>
+          <a:p>
+            <a:pPr algn="ctr"/>
+            <a:r>
+              <a:rPr lang="ko-KR" altLang="en-US" sz="1100" dirty="0" smtClean="0"/>
+              <a:t>마이 페이지</a:t>
+            </a:r>
+            <a:endParaRPr lang="ko-KR" altLang="en-US" sz="1100" dirty="0"/>
+          </a:p>
+        </p:txBody>
+      </p:sp>
+      <p:sp>
+        <p:nvSpPr>
+          <p:cNvPr id="8" name="TextBox 7"/>
+          <p:cNvSpPr txBox="1"/>
+          <p:nvPr/>
+        </p:nvSpPr>
+        <p:spPr>
+          <a:xfrm>
+            <a:off x="73595" y="195486"/>
+            <a:ext cx="1618085" cy="369332"/>
+          </a:xfrm>
+          <a:prstGeom prst="rect">
+            <a:avLst/>
+          </a:prstGeom>
+          <a:noFill/>
+        </p:spPr>
+        <p:txBody>
+          <a:bodyPr wrap="square" rtlCol="0">
+            <a:spAutoFit/>
+          </a:bodyPr>
+          <a:lstStyle/>
+          <a:p>
+            <a:r>
+              <a:rPr lang="en-US" altLang="ko-KR" dirty="0" smtClean="0">
+                <a:latin typeface="나눔명조" panose="02020603020101020101" pitchFamily="18" charset="-127"/>
+                <a:ea typeface="나눔명조" panose="02020603020101020101" pitchFamily="18" charset="-127"/>
+              </a:rPr>
+              <a:t>Smart Washer</a:t>
+            </a:r>
+            <a:endParaRPr lang="ko-KR" altLang="en-US" dirty="0">
+              <a:latin typeface="나눔명조" panose="02020603020101020101" pitchFamily="18" charset="-127"/>
+              <a:ea typeface="나눔명조" panose="02020603020101020101" pitchFamily="18" charset="-127"/>
+            </a:endParaRPr>
+          </a:p>
+        </p:txBody>
+      </p:sp>
+      <p:graphicFrame>
+        <p:nvGraphicFramePr>
+          <p:cNvPr id="9" name="표 8"/>
+          <p:cNvGraphicFramePr>
+            <a:graphicFrameLocks noGrp="1"/>
+          </p:cNvGraphicFramePr>
+          <p:nvPr>
+            <p:extLst>
+              <p:ext uri="{D42A27DB-BD31-4B8C-83A1-F6EECF244321}">
+                <p14:modId xmlns:p14="http://schemas.microsoft.com/office/powerpoint/2010/main" val="521151197"/>
+              </p:ext>
+            </p:extLst>
+          </p:nvPr>
+        </p:nvGraphicFramePr>
+        <p:xfrm>
+          <a:off x="527719" y="843558"/>
+          <a:ext cx="8088562" cy="3657600"/>
+        </p:xfrm>
+        <a:graphic>
+          <a:graphicData uri="http://schemas.openxmlformats.org/drawingml/2006/table">
+            <a:tbl>
+              <a:tblPr firstRow="1" bandRow="1">
+                <a:tableStyleId>{5C22544A-7EE6-4342-B048-85BDC9FD1C3A}</a:tableStyleId>
+              </a:tblPr>
+              <a:tblGrid>
+                <a:gridCol w="743744"/>
+                <a:gridCol w="4308649"/>
+                <a:gridCol w="1296144"/>
+                <a:gridCol w="1740025"/>
+              </a:tblGrid>
+              <a:tr h="350666">
+                <a:tc>
+                  <a:txBody>
+                    <a:bodyPr/>
+                    <a:lstStyle/>
+                    <a:p>
+                      <a:pPr algn="ctr" latinLnBrk="1"/>
+                      <a:r>
+                        <a:rPr lang="en-US" altLang="ko-KR" dirty="0" smtClean="0"/>
+                        <a:t>No</a:t>
+                      </a:r>
+                      <a:endParaRPr lang="ko-KR" altLang="en-US" dirty="0"/>
+                    </a:p>
+                  </a:txBody>
+                  <a:tcPr/>
+                </a:tc>
+                <a:tc>
+                  <a:txBody>
+                    <a:bodyPr/>
+                    <a:lstStyle/>
+                    <a:p>
+                      <a:pPr algn="ctr" latinLnBrk="1"/>
+                      <a:r>
+                        <a:rPr lang="en-US" altLang="ko-KR" dirty="0" smtClean="0"/>
+                        <a:t>Contents</a:t>
+                      </a:r>
+                      <a:endParaRPr lang="ko-KR" altLang="en-US" dirty="0"/>
+                    </a:p>
+                  </a:txBody>
+                  <a:tcPr/>
+                </a:tc>
+                <a:tc>
+                  <a:txBody>
+                    <a:bodyPr/>
+                    <a:lstStyle/>
+                    <a:p>
+                      <a:pPr algn="ctr" latinLnBrk="1"/>
+                      <a:r>
+                        <a:rPr lang="en-US" altLang="ko-KR" dirty="0" smtClean="0"/>
+                        <a:t>Time</a:t>
+                      </a:r>
+                      <a:endParaRPr lang="ko-KR" altLang="en-US" dirty="0"/>
+                    </a:p>
+                  </a:txBody>
+                  <a:tcPr/>
+                </a:tc>
+                <a:tc>
+                  <a:txBody>
+                    <a:bodyPr/>
+                    <a:lstStyle/>
+                    <a:p>
+                      <a:pPr algn="ctr" latinLnBrk="1"/>
+                      <a:r>
+                        <a:rPr lang="en-US" altLang="ko-KR" dirty="0" smtClean="0"/>
+                        <a:t>state</a:t>
+                      </a:r>
+                      <a:endParaRPr lang="ko-KR" altLang="en-US" dirty="0"/>
+                    </a:p>
+                  </a:txBody>
+                  <a:tcPr/>
+                </a:tc>
+              </a:tr>
+              <a:tr h="305253">
+                <a:tc>
+                  <a:txBody>
+                    <a:bodyPr/>
+                    <a:lstStyle/>
+                    <a:p>
+                      <a:pPr algn="ctr" latinLnBrk="1"/>
+                      <a:endParaRPr lang="ko-KR" altLang="en-US" dirty="0"/>
+                    </a:p>
+                  </a:txBody>
+                  <a:tcPr/>
+                </a:tc>
+                <a:tc>
+                  <a:txBody>
+                    <a:bodyPr/>
+                    <a:lstStyle/>
+                    <a:p>
+                      <a:pPr algn="ctr" latinLnBrk="1"/>
+                      <a:endParaRPr lang="ko-KR" altLang="en-US"/>
+                    </a:p>
+                  </a:txBody>
+                  <a:tcPr/>
+                </a:tc>
+                <a:tc>
+                  <a:txBody>
+                    <a:bodyPr/>
+                    <a:lstStyle/>
+                    <a:p>
+                      <a:pPr algn="ctr" latinLnBrk="1"/>
+                      <a:endParaRPr lang="ko-KR" altLang="en-US" dirty="0"/>
+                    </a:p>
+                  </a:txBody>
+                  <a:tcPr/>
+                </a:tc>
+                <a:tc>
+                  <a:txBody>
+                    <a:bodyPr/>
+                    <a:lstStyle/>
+                    <a:p>
+                      <a:pPr algn="ctr" latinLnBrk="1"/>
+                      <a:endParaRPr lang="ko-KR" altLang="en-US" dirty="0"/>
+                    </a:p>
+                  </a:txBody>
+                  <a:tcPr/>
+                </a:tc>
+              </a:tr>
+              <a:tr h="305252">
+                <a:tc>
+                  <a:txBody>
+                    <a:bodyPr/>
+                    <a:lstStyle/>
+                    <a:p>
+                      <a:pPr algn="ctr" latinLnBrk="1"/>
+                      <a:endParaRPr lang="ko-KR" altLang="en-US" dirty="0"/>
+                    </a:p>
+                  </a:txBody>
+                  <a:tcPr/>
+                </a:tc>
+                <a:tc>
+                  <a:txBody>
+                    <a:bodyPr/>
+                    <a:lstStyle/>
+                    <a:p>
+                      <a:pPr algn="ctr" latinLnBrk="1"/>
+                      <a:endParaRPr lang="ko-KR" altLang="en-US"/>
+                    </a:p>
+                  </a:txBody>
+                  <a:tcPr/>
+                </a:tc>
+                <a:tc>
+                  <a:txBody>
+                    <a:bodyPr/>
+                    <a:lstStyle/>
+                    <a:p>
+                      <a:pPr algn="ctr" latinLnBrk="1"/>
+                      <a:endParaRPr lang="ko-KR" altLang="en-US" dirty="0"/>
+                    </a:p>
+                  </a:txBody>
+                  <a:tcPr/>
+                </a:tc>
+                <a:tc>
+                  <a:txBody>
+                    <a:bodyPr/>
+                    <a:lstStyle/>
+                    <a:p>
+                      <a:pPr algn="ctr" latinLnBrk="1"/>
+                      <a:endParaRPr lang="ko-KR" altLang="en-US" dirty="0"/>
+                    </a:p>
+                  </a:txBody>
+                  <a:tcPr/>
+                </a:tc>
+              </a:tr>
+              <a:tr h="305253">
+                <a:tc>
+                  <a:txBody>
+                    <a:bodyPr/>
+                    <a:lstStyle/>
+                    <a:p>
+                      <a:pPr algn="ctr" latinLnBrk="1"/>
+                      <a:endParaRPr lang="ko-KR" altLang="en-US" dirty="0"/>
+                    </a:p>
+                  </a:txBody>
+                  <a:tcPr/>
+                </a:tc>
+                <a:tc>
+                  <a:txBody>
+                    <a:bodyPr/>
+                    <a:lstStyle/>
+                    <a:p>
+                      <a:pPr algn="ctr" latinLnBrk="1"/>
+                      <a:endParaRPr lang="ko-KR" altLang="en-US"/>
+                    </a:p>
+                  </a:txBody>
+                  <a:tcPr/>
+                </a:tc>
+                <a:tc>
+                  <a:txBody>
+                    <a:bodyPr/>
+                    <a:lstStyle/>
+                    <a:p>
+                      <a:pPr algn="ctr" latinLnBrk="1"/>
+                      <a:endParaRPr lang="ko-KR" altLang="en-US" dirty="0"/>
+                    </a:p>
+                  </a:txBody>
+                  <a:tcPr/>
+                </a:tc>
+                <a:tc>
+                  <a:txBody>
+                    <a:bodyPr/>
+                    <a:lstStyle/>
+                    <a:p>
+                      <a:pPr algn="ctr" latinLnBrk="1"/>
+                      <a:endParaRPr lang="ko-KR" altLang="en-US" dirty="0"/>
+                    </a:p>
+                  </a:txBody>
+                  <a:tcPr/>
+                </a:tc>
+              </a:tr>
+              <a:tr h="305253">
+                <a:tc>
+                  <a:txBody>
+                    <a:bodyPr/>
+                    <a:lstStyle/>
+                    <a:p>
+                      <a:pPr algn="ctr" latinLnBrk="1"/>
+                      <a:endParaRPr lang="ko-KR" altLang="en-US" dirty="0"/>
+                    </a:p>
+                  </a:txBody>
+                  <a:tcPr/>
+                </a:tc>
+                <a:tc>
+                  <a:txBody>
+                    <a:bodyPr/>
+                    <a:lstStyle/>
+                    <a:p>
+                      <a:pPr algn="ctr" latinLnBrk="1"/>
+                      <a:endParaRPr lang="ko-KR" altLang="en-US" dirty="0"/>
+                    </a:p>
+                  </a:txBody>
+                  <a:tcPr/>
+                </a:tc>
+                <a:tc>
+                  <a:txBody>
+                    <a:bodyPr/>
+                    <a:lstStyle/>
+                    <a:p>
+                      <a:pPr algn="ctr" latinLnBrk="1"/>
+                      <a:endParaRPr lang="ko-KR" altLang="en-US" dirty="0"/>
+                    </a:p>
+                  </a:txBody>
+                  <a:tcPr/>
+                </a:tc>
+                <a:tc>
+                  <a:txBody>
+                    <a:bodyPr/>
+                    <a:lstStyle/>
+                    <a:p>
+                      <a:pPr algn="ctr" latinLnBrk="1"/>
+                      <a:endParaRPr lang="ko-KR" altLang="en-US" dirty="0"/>
+                    </a:p>
+                  </a:txBody>
+                  <a:tcPr/>
+                </a:tc>
+              </a:tr>
+              <a:tr h="305252">
+                <a:tc>
+                  <a:txBody>
+                    <a:bodyPr/>
+                    <a:lstStyle/>
+                    <a:p>
+                      <a:pPr algn="ctr" latinLnBrk="1"/>
+                      <a:endParaRPr lang="ko-KR" altLang="en-US" dirty="0"/>
+                    </a:p>
+                  </a:txBody>
+                  <a:tcPr/>
+                </a:tc>
+                <a:tc>
+                  <a:txBody>
+                    <a:bodyPr/>
+                    <a:lstStyle/>
+                    <a:p>
+                      <a:pPr algn="ctr" latinLnBrk="1"/>
+                      <a:endParaRPr lang="ko-KR" altLang="en-US" dirty="0"/>
+                    </a:p>
+                  </a:txBody>
+                  <a:tcPr/>
+                </a:tc>
+                <a:tc>
+                  <a:txBody>
+                    <a:bodyPr/>
+                    <a:lstStyle/>
+                    <a:p>
+                      <a:pPr algn="ctr" latinLnBrk="1"/>
+                      <a:endParaRPr lang="ko-KR" altLang="en-US" dirty="0"/>
+                    </a:p>
+                  </a:txBody>
+                  <a:tcPr/>
+                </a:tc>
+                <a:tc>
+                  <a:txBody>
+                    <a:bodyPr/>
+                    <a:lstStyle/>
+                    <a:p>
+                      <a:pPr algn="ctr" latinLnBrk="1"/>
+                      <a:endParaRPr lang="ko-KR" altLang="en-US" dirty="0"/>
+                    </a:p>
+                  </a:txBody>
+                  <a:tcPr/>
+                </a:tc>
+              </a:tr>
+              <a:tr h="305253">
+                <a:tc>
+                  <a:txBody>
+                    <a:bodyPr/>
+                    <a:lstStyle/>
+                    <a:p>
+                      <a:pPr algn="ctr" latinLnBrk="1"/>
+                      <a:endParaRPr lang="ko-KR" altLang="en-US" dirty="0"/>
+                    </a:p>
+                  </a:txBody>
+                  <a:tcPr/>
+                </a:tc>
+                <a:tc>
+                  <a:txBody>
+                    <a:bodyPr/>
+                    <a:lstStyle/>
+                    <a:p>
+                      <a:pPr algn="ctr" latinLnBrk="1"/>
+                      <a:endParaRPr lang="ko-KR" altLang="en-US" dirty="0"/>
+                    </a:p>
+                  </a:txBody>
+                  <a:tcPr/>
+                </a:tc>
+                <a:tc>
+                  <a:txBody>
+                    <a:bodyPr/>
+                    <a:lstStyle/>
+                    <a:p>
+                      <a:pPr algn="ctr" latinLnBrk="1"/>
+                      <a:endParaRPr lang="ko-KR" altLang="en-US" dirty="0"/>
+                    </a:p>
+                  </a:txBody>
+                  <a:tcPr/>
+                </a:tc>
+                <a:tc>
+                  <a:txBody>
+                    <a:bodyPr/>
+                    <a:lstStyle/>
+                    <a:p>
+                      <a:pPr algn="ctr" latinLnBrk="1"/>
+                      <a:endParaRPr lang="ko-KR" altLang="en-US" dirty="0"/>
+                    </a:p>
+                  </a:txBody>
+                  <a:tcPr/>
+                </a:tc>
+              </a:tr>
+              <a:tr h="305253">
+                <a:tc>
+                  <a:txBody>
+                    <a:bodyPr/>
+                    <a:lstStyle/>
+                    <a:p>
+                      <a:pPr algn="ctr" latinLnBrk="1"/>
+                      <a:endParaRPr lang="ko-KR" altLang="en-US" dirty="0"/>
+                    </a:p>
+                  </a:txBody>
+                  <a:tcPr/>
+                </a:tc>
+                <a:tc>
+                  <a:txBody>
+                    <a:bodyPr/>
+                    <a:lstStyle/>
+                    <a:p>
+                      <a:pPr algn="ctr" latinLnBrk="1"/>
+                      <a:endParaRPr lang="ko-KR" altLang="en-US" dirty="0"/>
+                    </a:p>
+                  </a:txBody>
+                  <a:tcPr/>
+                </a:tc>
+                <a:tc>
+                  <a:txBody>
+                    <a:bodyPr/>
+                    <a:lstStyle/>
+                    <a:p>
+                      <a:pPr algn="ctr" latinLnBrk="1"/>
+                      <a:endParaRPr lang="ko-KR" altLang="en-US" dirty="0"/>
+                    </a:p>
+                  </a:txBody>
+                  <a:tcPr/>
+                </a:tc>
+                <a:tc>
+                  <a:txBody>
+                    <a:bodyPr/>
+                    <a:lstStyle/>
+                    <a:p>
+                      <a:pPr algn="ctr" latinLnBrk="1"/>
+                      <a:endParaRPr lang="ko-KR" altLang="en-US" dirty="0"/>
+                    </a:p>
+                  </a:txBody>
+                  <a:tcPr/>
+                </a:tc>
+              </a:tr>
+              <a:tr h="305252">
+                <a:tc>
+                  <a:txBody>
+                    <a:bodyPr/>
+                    <a:lstStyle/>
+                    <a:p>
+                      <a:pPr algn="ctr" latinLnBrk="1"/>
+                      <a:endParaRPr lang="ko-KR" altLang="en-US" dirty="0"/>
+                    </a:p>
+                  </a:txBody>
+                  <a:tcPr/>
+                </a:tc>
+                <a:tc>
+                  <a:txBody>
+                    <a:bodyPr/>
+                    <a:lstStyle/>
+                    <a:p>
+                      <a:pPr algn="ctr" latinLnBrk="1"/>
+                      <a:endParaRPr lang="ko-KR" altLang="en-US" dirty="0"/>
+                    </a:p>
+                  </a:txBody>
+                  <a:tcPr/>
+                </a:tc>
+                <a:tc>
+                  <a:txBody>
+                    <a:bodyPr/>
+                    <a:lstStyle/>
+                    <a:p>
+                      <a:pPr algn="ctr" latinLnBrk="1"/>
+                      <a:endParaRPr lang="ko-KR" altLang="en-US" dirty="0"/>
+                    </a:p>
+                  </a:txBody>
+                  <a:tcPr/>
+                </a:tc>
+                <a:tc>
+                  <a:txBody>
+                    <a:bodyPr/>
+                    <a:lstStyle/>
+                    <a:p>
+                      <a:pPr algn="ctr" latinLnBrk="1"/>
+                      <a:endParaRPr lang="ko-KR" altLang="en-US" dirty="0"/>
+                    </a:p>
+                  </a:txBody>
+                  <a:tcPr/>
+                </a:tc>
+              </a:tr>
+              <a:tr h="305253">
+                <a:tc>
+                  <a:txBody>
+                    <a:bodyPr/>
+                    <a:lstStyle/>
+                    <a:p>
+                      <a:pPr algn="ctr" latinLnBrk="1"/>
+                      <a:endParaRPr lang="ko-KR" altLang="en-US" dirty="0"/>
+                    </a:p>
+                  </a:txBody>
+                  <a:tcPr/>
+                </a:tc>
+                <a:tc>
+                  <a:txBody>
+                    <a:bodyPr/>
+                    <a:lstStyle/>
+                    <a:p>
+                      <a:pPr algn="ctr" latinLnBrk="1"/>
+                      <a:endParaRPr lang="ko-KR" altLang="en-US" dirty="0"/>
+                    </a:p>
+                  </a:txBody>
+                  <a:tcPr/>
+                </a:tc>
+                <a:tc>
+                  <a:txBody>
+                    <a:bodyPr/>
+                    <a:lstStyle/>
+                    <a:p>
+                      <a:pPr algn="ctr" latinLnBrk="1"/>
+                      <a:endParaRPr lang="ko-KR" altLang="en-US" dirty="0"/>
+                    </a:p>
+                  </a:txBody>
+                  <a:tcPr/>
+                </a:tc>
+                <a:tc>
+                  <a:txBody>
+                    <a:bodyPr/>
+                    <a:lstStyle/>
+                    <a:p>
+                      <a:pPr algn="ctr" latinLnBrk="1"/>
+                      <a:endParaRPr lang="ko-KR" altLang="en-US" dirty="0"/>
+                    </a:p>
+                  </a:txBody>
+                  <a:tcPr/>
+                </a:tc>
+              </a:tr>
+            </a:tbl>
+          </a:graphicData>
+        </a:graphic>
+      </p:graphicFrame>
+    </p:spTree>
+    <p:extLst>
+      <p:ext uri="{BB962C8B-B14F-4D97-AF65-F5344CB8AC3E}">
+        <p14:creationId xmlns:p14="http://schemas.microsoft.com/office/powerpoint/2010/main" val="830975722"/>
+      </p:ext>
+    </p:extLst>
+  </p:cSld>
+  <p:clrMapOvr>
+    <a:masterClrMapping/>
+  </p:clrMapOvr>
+</p:sld>
+</file>
+
+<file path=ppt/slides/slide9.xml><?xml version="1.0" encoding="utf-8"?>
+<p:sld xmlns:a="http://schemas.openxmlformats.org/drawingml/2006/main" xmlns:r="http://schemas.openxmlformats.org/officeDocument/2006/relationships" xmlns:p="http://schemas.openxmlformats.org/presentationml/2006/main">
+  <p:cSld>
+    <p:spTree>
+      <p:nvGrpSpPr>
+        <p:cNvPr id="1" name=""/>
+        <p:cNvGrpSpPr/>
+        <p:nvPr/>
+      </p:nvGrpSpPr>
+      <p:grpSpPr>
+        <a:xfrm>
+          <a:off x="0" y="0"/>
+          <a:ext cx="0" cy="0"/>
+          <a:chOff x="0" y="0"/>
+          <a:chExt cx="0" cy="0"/>
+        </a:xfrm>
+      </p:grpSpPr>
+      <p:sp>
+        <p:nvSpPr>
+          <p:cNvPr id="3" name="TextBox 2"/>
+          <p:cNvSpPr txBox="1"/>
+          <p:nvPr/>
+        </p:nvSpPr>
+        <p:spPr>
+          <a:xfrm>
+            <a:off x="2915816" y="1019512"/>
+            <a:ext cx="2232248" cy="400110"/>
+          </a:xfrm>
+          <a:prstGeom prst="rect">
+            <a:avLst/>
+          </a:prstGeom>
+          <a:noFill/>
+        </p:spPr>
+        <p:txBody>
+          <a:bodyPr wrap="square" rtlCol="0">
+            <a:spAutoFit/>
+          </a:bodyPr>
+          <a:lstStyle/>
+          <a:p>
+            <a:r>
+              <a:rPr lang="en-US" altLang="ko-KR" sz="2000" dirty="0" smtClean="0">
+                <a:latin typeface="나눔명조" panose="02020603020101020101" pitchFamily="18" charset="-127"/>
+                <a:ea typeface="나눔명조" panose="02020603020101020101" pitchFamily="18" charset="-127"/>
+              </a:rPr>
+              <a:t>Smart Washer</a:t>
+            </a:r>
+            <a:endParaRPr lang="ko-KR" altLang="en-US" sz="2000" dirty="0">
+              <a:latin typeface="나눔명조" panose="02020603020101020101" pitchFamily="18" charset="-127"/>
+              <a:ea typeface="나눔명조" panose="02020603020101020101" pitchFamily="18" charset="-127"/>
+            </a:endParaRPr>
+          </a:p>
+        </p:txBody>
+      </p:sp>
+      <p:sp>
+        <p:nvSpPr>
+          <p:cNvPr id="4" name="TextBox 3"/>
+          <p:cNvSpPr txBox="1"/>
+          <p:nvPr/>
+        </p:nvSpPr>
+        <p:spPr>
+          <a:xfrm>
+            <a:off x="4721251" y="915567"/>
+            <a:ext cx="2587053" cy="523220"/>
+          </a:xfrm>
+          <a:prstGeom prst="rect">
+            <a:avLst/>
+          </a:prstGeom>
+          <a:noFill/>
+        </p:spPr>
+        <p:txBody>
+          <a:bodyPr wrap="square" rtlCol="0">
+            <a:spAutoFit/>
+          </a:bodyPr>
+          <a:lstStyle/>
+          <a:p>
+            <a:r>
+              <a:rPr lang="ko-KR" altLang="en-US" sz="2800" smtClean="0">
+                <a:latin typeface="나눔고딕" panose="020D0604000000000000" pitchFamily="50" charset="-127"/>
+                <a:ea typeface="나눔고딕" panose="020D0604000000000000" pitchFamily="50" charset="-127"/>
+              </a:rPr>
+              <a:t>회원정보수</a:t>
+            </a:r>
+            <a:r>
+              <a:rPr lang="ko-KR" altLang="en-US" sz="2800">
+                <a:latin typeface="나눔고딕" panose="020D0604000000000000" pitchFamily="50" charset="-127"/>
+                <a:ea typeface="나눔고딕" panose="020D0604000000000000" pitchFamily="50" charset="-127"/>
+              </a:rPr>
+              <a:t>정</a:t>
+            </a:r>
+            <a:endParaRPr lang="ko-KR" altLang="en-US" sz="2800" dirty="0">
+              <a:latin typeface="나눔고딕" panose="020D0604000000000000" pitchFamily="50" charset="-127"/>
+              <a:ea typeface="나눔고딕" panose="020D0604000000000000" pitchFamily="50" charset="-127"/>
+            </a:endParaRPr>
+          </a:p>
+        </p:txBody>
+      </p:sp>
+      <p:sp>
+        <p:nvSpPr>
+          <p:cNvPr id="5" name="TextBox 4"/>
+          <p:cNvSpPr txBox="1"/>
+          <p:nvPr/>
+        </p:nvSpPr>
+        <p:spPr>
+          <a:xfrm>
+            <a:off x="1486209" y="1923678"/>
+            <a:ext cx="2664296" cy="276999"/>
+          </a:xfrm>
+          <a:prstGeom prst="rect">
+            <a:avLst/>
+          </a:prstGeom>
+          <a:noFill/>
+          <a:ln>
+            <a:solidFill>
+              <a:schemeClr val="bg1">
+                <a:lumMod val="65000"/>
+              </a:schemeClr>
+            </a:solidFill>
+          </a:ln>
+        </p:spPr>
+        <p:txBody>
+          <a:bodyPr wrap="square" rtlCol="0">
+            <a:spAutoFit/>
+          </a:bodyPr>
+          <a:lstStyle/>
+          <a:p>
+            <a:r>
+              <a:rPr lang="en-US" altLang="ko-KR" sz="1200" dirty="0" smtClean="0"/>
+              <a:t>sujin1227</a:t>
+            </a:r>
+            <a:endParaRPr lang="ko-KR" altLang="en-US" sz="1200" dirty="0"/>
+          </a:p>
+        </p:txBody>
+      </p:sp>
+      <p:sp>
+        <p:nvSpPr>
+          <p:cNvPr id="6" name="TextBox 5"/>
+          <p:cNvSpPr txBox="1"/>
+          <p:nvPr/>
+        </p:nvSpPr>
+        <p:spPr>
+          <a:xfrm>
+            <a:off x="1486209" y="2427734"/>
+            <a:ext cx="2664296" cy="276999"/>
+          </a:xfrm>
+          <a:prstGeom prst="rect">
+            <a:avLst/>
+          </a:prstGeom>
+          <a:noFill/>
+          <a:ln>
+            <a:solidFill>
+              <a:schemeClr val="bg1">
+                <a:lumMod val="65000"/>
+              </a:schemeClr>
+            </a:solidFill>
+          </a:ln>
+        </p:spPr>
+        <p:txBody>
+          <a:bodyPr wrap="square" rtlCol="0">
+            <a:spAutoFit/>
+          </a:bodyPr>
+          <a:lstStyle/>
+          <a:p>
+            <a:r>
+              <a:rPr lang="ko-KR" altLang="en-US" sz="1200" smtClean="0">
+                <a:solidFill>
+                  <a:schemeClr val="bg1">
+                    <a:lumMod val="65000"/>
+                  </a:schemeClr>
+                </a:solidFill>
+              </a:rPr>
+              <a:t>비밀번호를 입력해 주세요</a:t>
+            </a:r>
+            <a:endParaRPr lang="ko-KR" altLang="en-US" sz="1200" dirty="0">
+              <a:solidFill>
+                <a:schemeClr val="bg1">
+                  <a:lumMod val="65000"/>
+                </a:schemeClr>
+              </a:solidFill>
+            </a:endParaRPr>
+          </a:p>
+        </p:txBody>
+      </p:sp>
+      <p:sp>
+        <p:nvSpPr>
+          <p:cNvPr id="7" name="TextBox 6"/>
+          <p:cNvSpPr txBox="1"/>
+          <p:nvPr/>
+        </p:nvSpPr>
+        <p:spPr>
+          <a:xfrm>
+            <a:off x="4139952" y="4227934"/>
+            <a:ext cx="828092" cy="261610"/>
+          </a:xfrm>
+          <a:prstGeom prst="rect">
+            <a:avLst/>
+          </a:prstGeom>
+          <a:noFill/>
+          <a:ln>
+            <a:solidFill>
+              <a:schemeClr val="tx1"/>
+            </a:solidFill>
+          </a:ln>
+        </p:spPr>
+        <p:txBody>
+          <a:bodyPr wrap="square" rtlCol="0" anchor="ctr">
+            <a:spAutoFit/>
+          </a:bodyPr>
+          <a:lstStyle/>
+          <a:p>
+            <a:pPr algn="ctr"/>
+            <a:r>
+              <a:rPr lang="ko-KR" altLang="en-US" sz="1100" smtClean="0"/>
+              <a:t>수</a:t>
+            </a:r>
+            <a:r>
+              <a:rPr lang="ko-KR" altLang="en-US" sz="1100"/>
+              <a:t>정</a:t>
+            </a:r>
+            <a:r>
+              <a:rPr lang="ko-KR" altLang="en-US" sz="1100" smtClean="0"/>
+              <a:t>하기</a:t>
+            </a:r>
+            <a:endParaRPr lang="ko-KR" altLang="en-US" sz="1100" dirty="0"/>
+          </a:p>
+        </p:txBody>
+      </p:sp>
+      <p:sp>
+        <p:nvSpPr>
+          <p:cNvPr id="11" name="TextBox 10"/>
+          <p:cNvSpPr txBox="1"/>
+          <p:nvPr/>
+        </p:nvSpPr>
+        <p:spPr>
+          <a:xfrm>
+            <a:off x="190065" y="1923678"/>
+            <a:ext cx="936104" cy="307777"/>
+          </a:xfrm>
+          <a:prstGeom prst="rect">
+            <a:avLst/>
+          </a:prstGeom>
+          <a:noFill/>
+          <a:ln>
+            <a:noFill/>
+          </a:ln>
+        </p:spPr>
+        <p:txBody>
+          <a:bodyPr wrap="square" rtlCol="0">
+            <a:spAutoFit/>
+          </a:bodyPr>
+          <a:lstStyle/>
+          <a:p>
+            <a:r>
+              <a:rPr lang="ko-KR" altLang="en-US" sz="1400" dirty="0" smtClean="0"/>
+              <a:t>아이디</a:t>
+            </a:r>
+            <a:endParaRPr lang="ko-KR" altLang="en-US" sz="1400" dirty="0"/>
+          </a:p>
+        </p:txBody>
+      </p:sp>
+      <p:sp>
+        <p:nvSpPr>
+          <p:cNvPr id="12" name="TextBox 11"/>
+          <p:cNvSpPr txBox="1"/>
+          <p:nvPr/>
+        </p:nvSpPr>
+        <p:spPr>
+          <a:xfrm>
+            <a:off x="190065" y="2427734"/>
+            <a:ext cx="936104" cy="307777"/>
+          </a:xfrm>
+          <a:prstGeom prst="rect">
+            <a:avLst/>
+          </a:prstGeom>
+          <a:noFill/>
+          <a:ln>
+            <a:noFill/>
+          </a:ln>
+        </p:spPr>
+        <p:txBody>
+          <a:bodyPr wrap="square" rtlCol="0">
+            <a:spAutoFit/>
+          </a:bodyPr>
+          <a:lstStyle/>
+          <a:p>
+            <a:r>
+              <a:rPr lang="ko-KR" altLang="en-US" sz="1400" dirty="0" smtClean="0"/>
+              <a:t>비밀번</a:t>
+            </a:r>
+            <a:r>
+              <a:rPr lang="ko-KR" altLang="en-US" sz="1400" dirty="0"/>
+              <a:t>호</a:t>
+            </a:r>
+          </a:p>
+        </p:txBody>
+      </p:sp>
+      <p:sp>
+        <p:nvSpPr>
+          <p:cNvPr id="18" name="TextBox 17"/>
+          <p:cNvSpPr txBox="1"/>
+          <p:nvPr/>
+        </p:nvSpPr>
+        <p:spPr>
+          <a:xfrm>
+            <a:off x="1486209" y="2941082"/>
+            <a:ext cx="2664296" cy="276999"/>
+          </a:xfrm>
+          <a:prstGeom prst="rect">
+            <a:avLst/>
+          </a:prstGeom>
+          <a:noFill/>
+          <a:ln>
+            <a:solidFill>
+              <a:schemeClr val="bg1">
+                <a:lumMod val="65000"/>
+              </a:schemeClr>
+            </a:solidFill>
+          </a:ln>
+        </p:spPr>
+        <p:txBody>
+          <a:bodyPr wrap="square" rtlCol="0">
+            <a:spAutoFit/>
+          </a:bodyPr>
+          <a:lstStyle/>
+          <a:p>
+            <a:r>
+              <a:rPr lang="ko-KR" altLang="en-US" sz="1200" smtClean="0">
+                <a:solidFill>
+                  <a:schemeClr val="bg1">
+                    <a:lumMod val="65000"/>
+                  </a:schemeClr>
+                </a:solidFill>
+              </a:rPr>
+              <a:t>비밀번호를 입력해 주세요</a:t>
+            </a:r>
+            <a:endParaRPr lang="ko-KR" altLang="en-US" sz="1200" dirty="0">
+              <a:solidFill>
+                <a:schemeClr val="bg1">
+                  <a:lumMod val="65000"/>
+                </a:schemeClr>
+              </a:solidFill>
+            </a:endParaRPr>
+          </a:p>
+        </p:txBody>
+      </p:sp>
+      <p:sp>
+        <p:nvSpPr>
+          <p:cNvPr id="21" name="TextBox 20"/>
+          <p:cNvSpPr txBox="1"/>
+          <p:nvPr/>
+        </p:nvSpPr>
+        <p:spPr>
+          <a:xfrm>
+            <a:off x="179512" y="2921337"/>
+            <a:ext cx="1378705" cy="307777"/>
+          </a:xfrm>
+          <a:prstGeom prst="rect">
+            <a:avLst/>
+          </a:prstGeom>
+          <a:noFill/>
+          <a:ln>
+            <a:noFill/>
+          </a:ln>
+        </p:spPr>
+        <p:txBody>
+          <a:bodyPr wrap="square" rtlCol="0">
+            <a:spAutoFit/>
+          </a:bodyPr>
+          <a:lstStyle/>
+          <a:p>
+            <a:r>
+              <a:rPr lang="ko-KR" altLang="en-US" sz="1400" dirty="0" smtClean="0"/>
+              <a:t>비밀번호 확인</a:t>
+            </a:r>
+            <a:endParaRPr lang="ko-KR" altLang="en-US" sz="1400" dirty="0"/>
+          </a:p>
+        </p:txBody>
+      </p:sp>
+      <p:sp>
+        <p:nvSpPr>
+          <p:cNvPr id="22" name="TextBox 21"/>
+          <p:cNvSpPr txBox="1"/>
+          <p:nvPr/>
+        </p:nvSpPr>
+        <p:spPr>
+          <a:xfrm>
+            <a:off x="5868144" y="1936451"/>
+            <a:ext cx="2664296" cy="276999"/>
+          </a:xfrm>
+          <a:prstGeom prst="rect">
+            <a:avLst/>
+          </a:prstGeom>
+          <a:noFill/>
+          <a:ln>
+            <a:solidFill>
+              <a:schemeClr val="bg1">
+                <a:lumMod val="65000"/>
+              </a:schemeClr>
+            </a:solidFill>
+          </a:ln>
+        </p:spPr>
+        <p:txBody>
+          <a:bodyPr wrap="square" rtlCol="0">
+            <a:spAutoFit/>
+          </a:bodyPr>
+          <a:lstStyle/>
+          <a:p>
+            <a:endParaRPr lang="ko-KR" altLang="en-US" sz="1200" dirty="0">
+              <a:solidFill>
+                <a:schemeClr val="bg1">
+                  <a:lumMod val="65000"/>
+                </a:schemeClr>
+              </a:solidFill>
+            </a:endParaRPr>
+          </a:p>
+        </p:txBody>
+      </p:sp>
+      <p:sp>
+        <p:nvSpPr>
+          <p:cNvPr id="23" name="TextBox 22"/>
+          <p:cNvSpPr txBox="1"/>
+          <p:nvPr/>
+        </p:nvSpPr>
+        <p:spPr>
+          <a:xfrm>
+            <a:off x="4932040" y="1916706"/>
+            <a:ext cx="936104" cy="307777"/>
+          </a:xfrm>
+          <a:prstGeom prst="rect">
+            <a:avLst/>
+          </a:prstGeom>
+          <a:noFill/>
+          <a:ln>
+            <a:noFill/>
+          </a:ln>
+        </p:spPr>
+        <p:txBody>
+          <a:bodyPr wrap="square" rtlCol="0">
+            <a:spAutoFit/>
+          </a:bodyPr>
+          <a:lstStyle/>
+          <a:p>
+            <a:r>
+              <a:rPr lang="ko-KR" altLang="en-US" sz="1400" dirty="0" smtClean="0"/>
+              <a:t>이</a:t>
+            </a:r>
+            <a:r>
+              <a:rPr lang="ko-KR" altLang="en-US" sz="1400" dirty="0"/>
+              <a:t>름</a:t>
+            </a:r>
+          </a:p>
+        </p:txBody>
+      </p:sp>
+      <p:sp>
+        <p:nvSpPr>
+          <p:cNvPr id="24" name="TextBox 23"/>
+          <p:cNvSpPr txBox="1"/>
+          <p:nvPr/>
+        </p:nvSpPr>
+        <p:spPr>
+          <a:xfrm>
+            <a:off x="5868144" y="2944563"/>
+            <a:ext cx="2664296" cy="276999"/>
+          </a:xfrm>
+          <a:prstGeom prst="rect">
+            <a:avLst/>
+          </a:prstGeom>
+          <a:noFill/>
+          <a:ln>
+            <a:solidFill>
+              <a:schemeClr val="bg1">
+                <a:lumMod val="65000"/>
+              </a:schemeClr>
+            </a:solidFill>
+          </a:ln>
+        </p:spPr>
+        <p:txBody>
+          <a:bodyPr wrap="square" rtlCol="0">
+            <a:spAutoFit/>
+          </a:bodyPr>
+          <a:lstStyle/>
+          <a:p>
+            <a:endParaRPr lang="ko-KR" altLang="en-US" sz="1200" dirty="0">
+              <a:solidFill>
+                <a:schemeClr val="bg1">
+                  <a:lumMod val="65000"/>
+                </a:schemeClr>
+              </a:solidFill>
+            </a:endParaRPr>
+          </a:p>
+        </p:txBody>
+      </p:sp>
+      <p:sp>
+        <p:nvSpPr>
+          <p:cNvPr id="25" name="TextBox 24"/>
+          <p:cNvSpPr txBox="1"/>
+          <p:nvPr/>
+        </p:nvSpPr>
+        <p:spPr>
+          <a:xfrm>
+            <a:off x="4932040" y="2944563"/>
+            <a:ext cx="936104" cy="307777"/>
+          </a:xfrm>
+          <a:prstGeom prst="rect">
+            <a:avLst/>
+          </a:prstGeom>
+          <a:noFill/>
+          <a:ln>
+            <a:noFill/>
+          </a:ln>
+        </p:spPr>
+        <p:txBody>
+          <a:bodyPr wrap="square" rtlCol="0">
+            <a:spAutoFit/>
+          </a:bodyPr>
+          <a:lstStyle/>
+          <a:p>
+            <a:r>
+              <a:rPr lang="ko-KR" altLang="en-US" sz="1400" dirty="0" smtClean="0"/>
+              <a:t>방 번호</a:t>
+            </a:r>
+            <a:endParaRPr lang="ko-KR" altLang="en-US" sz="1400" dirty="0"/>
+          </a:p>
+        </p:txBody>
+      </p:sp>
+      <p:sp>
+        <p:nvSpPr>
+          <p:cNvPr id="28" name="TextBox 27"/>
+          <p:cNvSpPr txBox="1"/>
+          <p:nvPr/>
+        </p:nvSpPr>
+        <p:spPr>
+          <a:xfrm>
+            <a:off x="5868144" y="3416101"/>
+            <a:ext cx="2664296" cy="276999"/>
+          </a:xfrm>
+          <a:prstGeom prst="rect">
+            <a:avLst/>
+          </a:prstGeom>
+          <a:noFill/>
+          <a:ln>
+            <a:solidFill>
+              <a:schemeClr val="bg1">
+                <a:lumMod val="65000"/>
+              </a:schemeClr>
+            </a:solidFill>
+          </a:ln>
+        </p:spPr>
+        <p:txBody>
+          <a:bodyPr wrap="square" rtlCol="0">
+            <a:spAutoFit/>
+          </a:bodyPr>
+          <a:lstStyle/>
+          <a:p>
+            <a:endParaRPr lang="ko-KR" altLang="en-US" sz="1200" dirty="0">
+              <a:solidFill>
+                <a:schemeClr val="bg1">
+                  <a:lumMod val="65000"/>
+                </a:schemeClr>
+              </a:solidFill>
+            </a:endParaRPr>
+          </a:p>
+        </p:txBody>
+      </p:sp>
+      <p:sp>
+        <p:nvSpPr>
+          <p:cNvPr id="29" name="TextBox 28"/>
+          <p:cNvSpPr txBox="1"/>
+          <p:nvPr/>
+        </p:nvSpPr>
+        <p:spPr>
+          <a:xfrm>
+            <a:off x="4932040" y="3416101"/>
+            <a:ext cx="936104" cy="307777"/>
+          </a:xfrm>
+          <a:prstGeom prst="rect">
+            <a:avLst/>
+          </a:prstGeom>
+          <a:noFill/>
+          <a:ln>
+            <a:noFill/>
+          </a:ln>
+        </p:spPr>
+        <p:txBody>
+          <a:bodyPr wrap="square" rtlCol="0">
+            <a:spAutoFit/>
+          </a:bodyPr>
+          <a:lstStyle/>
+          <a:p>
+            <a:r>
+              <a:rPr lang="ko-KR" altLang="en-US" sz="1400" dirty="0" smtClean="0"/>
+              <a:t>전화</a:t>
+            </a:r>
+            <a:r>
+              <a:rPr lang="ko-KR" altLang="en-US" sz="1400" dirty="0"/>
+              <a:t>번</a:t>
+            </a:r>
+            <a:r>
+              <a:rPr lang="ko-KR" altLang="en-US" sz="1400" dirty="0" smtClean="0"/>
+              <a:t>호</a:t>
+            </a:r>
+            <a:endParaRPr lang="ko-KR" altLang="en-US" sz="1400" dirty="0"/>
+          </a:p>
+        </p:txBody>
+      </p:sp>
+      <p:sp>
+        <p:nvSpPr>
+          <p:cNvPr id="30" name="TextBox 29"/>
+          <p:cNvSpPr txBox="1"/>
+          <p:nvPr/>
+        </p:nvSpPr>
+        <p:spPr>
+          <a:xfrm>
+            <a:off x="5868144" y="2440507"/>
+            <a:ext cx="2664296" cy="276999"/>
+          </a:xfrm>
+          <a:prstGeom prst="rect">
+            <a:avLst/>
+          </a:prstGeom>
+          <a:noFill/>
+          <a:ln>
+            <a:solidFill>
+              <a:schemeClr val="bg1">
+                <a:lumMod val="65000"/>
+              </a:schemeClr>
+            </a:solidFill>
+          </a:ln>
+        </p:spPr>
+        <p:txBody>
+          <a:bodyPr wrap="square" rtlCol="0">
+            <a:spAutoFit/>
+          </a:bodyPr>
+          <a:lstStyle/>
+          <a:p>
+            <a:endParaRPr lang="ko-KR" altLang="en-US" sz="1200" dirty="0">
+              <a:solidFill>
+                <a:schemeClr val="bg1">
+                  <a:lumMod val="65000"/>
+                </a:schemeClr>
+              </a:solidFill>
+            </a:endParaRPr>
+          </a:p>
+        </p:txBody>
+      </p:sp>
+      <p:sp>
+        <p:nvSpPr>
+          <p:cNvPr id="31" name="TextBox 30"/>
+          <p:cNvSpPr txBox="1"/>
+          <p:nvPr/>
+        </p:nvSpPr>
+        <p:spPr>
+          <a:xfrm>
+            <a:off x="4932040" y="2440507"/>
+            <a:ext cx="936104" cy="307777"/>
+          </a:xfrm>
+          <a:prstGeom prst="rect">
+            <a:avLst/>
+          </a:prstGeom>
+          <a:noFill/>
+          <a:ln>
+            <a:noFill/>
+          </a:ln>
+        </p:spPr>
+        <p:txBody>
+          <a:bodyPr wrap="square" rtlCol="0">
+            <a:spAutoFit/>
+          </a:bodyPr>
+          <a:lstStyle/>
+          <a:p>
+            <a:r>
+              <a:rPr lang="ko-KR" altLang="en-US" sz="1400" dirty="0" smtClean="0"/>
+              <a:t>학</a:t>
+            </a:r>
+            <a:r>
+              <a:rPr lang="ko-KR" altLang="en-US" sz="1400" dirty="0"/>
+              <a:t>번</a:t>
+            </a:r>
+          </a:p>
+        </p:txBody>
+      </p:sp>
+      <p:cxnSp>
+        <p:nvCxnSpPr>
+          <p:cNvPr id="32" name="직선 연결선 31"/>
+          <p:cNvCxnSpPr/>
+          <p:nvPr/>
+        </p:nvCxnSpPr>
+        <p:spPr>
+          <a:xfrm flipV="1">
+            <a:off x="4568634" y="1744238"/>
+            <a:ext cx="0" cy="2232248"/>
+          </a:xfrm>
+          <a:prstGeom prst="line">
+            <a:avLst/>
+          </a:prstGeom>
+        </p:spPr>
+        <p:style>
+          <a:lnRef idx="1">
+            <a:schemeClr val="accent1"/>
+          </a:lnRef>
+          <a:fillRef idx="0">
+            <a:schemeClr val="accent1"/>
+          </a:fillRef>
+          <a:effectRef idx="0">
+            <a:schemeClr val="accent1"/>
+          </a:effectRef>
+          <a:fontRef idx="minor">
+            <a:schemeClr val="tx1"/>
+          </a:fontRef>
+        </p:style>
+      </p:cxnSp>
+      <p:sp>
+        <p:nvSpPr>
+          <p:cNvPr id="9" name="곱셈 기호 8"/>
+          <p:cNvSpPr/>
+          <p:nvPr/>
+        </p:nvSpPr>
+        <p:spPr>
+          <a:xfrm>
+            <a:off x="8460432" y="62023"/>
+            <a:ext cx="565511" cy="565511"/>
+          </a:xfrm>
+          <a:prstGeom prst="mathMultiply">
+            <a:avLst>
+              <a:gd name="adj1" fmla="val 5773"/>
+            </a:avLst>
+          </a:prstGeom>
+          <a:solidFill>
+            <a:schemeClr val="tx1">
+              <a:lumMod val="65000"/>
+              <a:lumOff val="35000"/>
+            </a:schemeClr>
+          </a:solidFill>
+          <a:ln>
+            <a:noFill/>
+          </a:ln>
+        </p:spPr>
+        <p:style>
+          <a:lnRef idx="2">
+            <a:schemeClr val="accent1">
+              <a:shade val="50000"/>
+            </a:schemeClr>
+          </a:lnRef>
+          <a:fillRef idx="1">
+            <a:schemeClr val="accent1"/>
+          </a:fillRef>
+          <a:effectRef idx="0">
+            <a:schemeClr val="accent1"/>
+          </a:effectRef>
+          <a:fontRef idx="minor">
+            <a:schemeClr val="lt1"/>
+          </a:fontRef>
+        </p:style>
+        <p:txBody>
+          <a:bodyPr rtlCol="0" anchor="ctr"/>
+          <a:lstStyle/>
+          <a:p>
+            <a:pPr algn="ctr"/>
+            <a:endParaRPr lang="ko-KR" altLang="en-US">
+              <a:solidFill>
+                <a:schemeClr val="tx1"/>
+              </a:solidFill>
+            </a:endParaRPr>
+          </a:p>
+        </p:txBody>
+      </p:sp>
+    </p:spTree>
+    <p:extLst>
+      <p:ext uri="{BB962C8B-B14F-4D97-AF65-F5344CB8AC3E}">
+        <p14:creationId xmlns:p14="http://schemas.microsoft.com/office/powerpoint/2010/main" val="2087927922"/>
+      </p:ext>
+    </p:extLst>
+  </p:cSld>
+  <p:clrMapOvr>
+    <a:masterClrMapping/>
+  </p:clrMapOvr>
+  <p:timing>
+    <p:tnLst>
+      <p:par>
+        <p:cTn id="1" dur="indefinite" restart="never" nodeType="tmRoot"/>
+      </p:par>
+    </p:tnLst>
+  </p:timing>
 </p:sld>
 </file>
 
